--- a/传感器/作业/第一次作业题  20220228.pptx
+++ b/传感器/作业/第一次作业题  20220228.pptx
@@ -104,6 +104,22 @@
       </a:defRPr>
     </a:lvl9pPr>
   </p:defaultTextStyle>
+  <p:extLst>
+    <p:ext uri="{EFAFB233-063F-42B5-8137-9DF3F51BA10A}">
+      <p15:sldGuideLst xmlns:p15="http://schemas.microsoft.com/office/powerpoint/2012/main">
+        <p15:guide id="1" orient="horz" pos="2160">
+          <p15:clr>
+            <a:srgbClr val="A4A3A4"/>
+          </p15:clr>
+        </p15:guide>
+        <p15:guide id="2" pos="2880">
+          <p15:clr>
+            <a:srgbClr val="A4A3A4"/>
+          </p15:clr>
+        </p15:guide>
+      </p15:sldGuideLst>
+    </p:ext>
+  </p:extLst>
 </p:presentation>
 </file>
 
@@ -145,10 +161,9 @@
           <a:lstStyle/>
           <a:p>
             <a:r>
-              <a:rPr lang="zh-CN" altLang="en-US" smtClean="0"/>
+              <a:rPr lang="zh-CN" altLang="en-US"/>
               <a:t>单击此处编辑母版标题样式</a:t>
             </a:r>
-            <a:endParaRPr lang="zh-CN" altLang="en-US"/>
           </a:p>
         </p:txBody>
       </p:sp>
@@ -264,10 +279,9 @@
           </a:lstStyle>
           <a:p>
             <a:r>
-              <a:rPr lang="zh-CN" altLang="en-US" smtClean="0"/>
+              <a:rPr lang="zh-CN" altLang="en-US"/>
               <a:t>单击此处编辑母版副标题样式</a:t>
             </a:r>
-            <a:endParaRPr lang="zh-CN" altLang="en-US"/>
           </a:p>
         </p:txBody>
       </p:sp>
@@ -288,7 +302,7 @@
           <a:p>
             <a:fld id="{2D92655B-18C8-469C-B99E-C3D36C895AA1}" type="datetimeFigureOut">
               <a:rPr lang="zh-CN" altLang="en-US" smtClean="0"/>
-              <a:t>2022/2/28</a:t>
+              <a:t>2022/3/8</a:t>
             </a:fld>
             <a:endParaRPr lang="zh-CN" altLang="en-US"/>
           </a:p>
@@ -382,10 +396,9 @@
           <a:lstStyle/>
           <a:p>
             <a:r>
-              <a:rPr lang="zh-CN" altLang="en-US" smtClean="0"/>
+              <a:rPr lang="zh-CN" altLang="en-US"/>
               <a:t>单击此处编辑母版标题样式</a:t>
             </a:r>
-            <a:endParaRPr lang="zh-CN" altLang="en-US"/>
           </a:p>
         </p:txBody>
       </p:sp>
@@ -406,38 +419,37 @@
           <a:p>
             <a:pPr lvl="0"/>
             <a:r>
-              <a:rPr lang="zh-CN" altLang="en-US" smtClean="0"/>
+              <a:rPr lang="zh-CN" altLang="en-US"/>
               <a:t>单击此处编辑母版文本样式</a:t>
             </a:r>
           </a:p>
           <a:p>
             <a:pPr lvl="1"/>
             <a:r>
-              <a:rPr lang="zh-CN" altLang="en-US" smtClean="0"/>
+              <a:rPr lang="zh-CN" altLang="en-US"/>
               <a:t>第二级</a:t>
             </a:r>
           </a:p>
           <a:p>
             <a:pPr lvl="2"/>
             <a:r>
-              <a:rPr lang="zh-CN" altLang="en-US" smtClean="0"/>
+              <a:rPr lang="zh-CN" altLang="en-US"/>
               <a:t>第三级</a:t>
             </a:r>
           </a:p>
           <a:p>
             <a:pPr lvl="3"/>
             <a:r>
-              <a:rPr lang="zh-CN" altLang="en-US" smtClean="0"/>
+              <a:rPr lang="zh-CN" altLang="en-US"/>
               <a:t>第四级</a:t>
             </a:r>
           </a:p>
           <a:p>
             <a:pPr lvl="4"/>
             <a:r>
-              <a:rPr lang="zh-CN" altLang="en-US" smtClean="0"/>
+              <a:rPr lang="zh-CN" altLang="en-US"/>
               <a:t>第五级</a:t>
             </a:r>
-            <a:endParaRPr lang="zh-CN" altLang="en-US"/>
           </a:p>
         </p:txBody>
       </p:sp>
@@ -458,7 +470,7 @@
           <a:p>
             <a:fld id="{2D92655B-18C8-469C-B99E-C3D36C895AA1}" type="datetimeFigureOut">
               <a:rPr lang="zh-CN" altLang="en-US" smtClean="0"/>
-              <a:t>2022/2/28</a:t>
+              <a:t>2022/3/8</a:t>
             </a:fld>
             <a:endParaRPr lang="zh-CN" altLang="en-US"/>
           </a:p>
@@ -557,10 +569,9 @@
           <a:lstStyle/>
           <a:p>
             <a:r>
-              <a:rPr lang="zh-CN" altLang="en-US" smtClean="0"/>
+              <a:rPr lang="zh-CN" altLang="en-US"/>
               <a:t>单击此处编辑母版标题样式</a:t>
             </a:r>
-            <a:endParaRPr lang="zh-CN" altLang="en-US"/>
           </a:p>
         </p:txBody>
       </p:sp>
@@ -586,38 +597,37 @@
           <a:p>
             <a:pPr lvl="0"/>
             <a:r>
-              <a:rPr lang="zh-CN" altLang="en-US" smtClean="0"/>
+              <a:rPr lang="zh-CN" altLang="en-US"/>
               <a:t>单击此处编辑母版文本样式</a:t>
             </a:r>
           </a:p>
           <a:p>
             <a:pPr lvl="1"/>
             <a:r>
-              <a:rPr lang="zh-CN" altLang="en-US" smtClean="0"/>
+              <a:rPr lang="zh-CN" altLang="en-US"/>
               <a:t>第二级</a:t>
             </a:r>
           </a:p>
           <a:p>
             <a:pPr lvl="2"/>
             <a:r>
-              <a:rPr lang="zh-CN" altLang="en-US" smtClean="0"/>
+              <a:rPr lang="zh-CN" altLang="en-US"/>
               <a:t>第三级</a:t>
             </a:r>
           </a:p>
           <a:p>
             <a:pPr lvl="3"/>
             <a:r>
-              <a:rPr lang="zh-CN" altLang="en-US" smtClean="0"/>
+              <a:rPr lang="zh-CN" altLang="en-US"/>
               <a:t>第四级</a:t>
             </a:r>
           </a:p>
           <a:p>
             <a:pPr lvl="4"/>
             <a:r>
-              <a:rPr lang="zh-CN" altLang="en-US" smtClean="0"/>
+              <a:rPr lang="zh-CN" altLang="en-US"/>
               <a:t>第五级</a:t>
             </a:r>
-            <a:endParaRPr lang="zh-CN" altLang="en-US"/>
           </a:p>
         </p:txBody>
       </p:sp>
@@ -638,7 +648,7 @@
           <a:p>
             <a:fld id="{2D92655B-18C8-469C-B99E-C3D36C895AA1}" type="datetimeFigureOut">
               <a:rPr lang="zh-CN" altLang="en-US" smtClean="0"/>
-              <a:t>2022/2/28</a:t>
+              <a:t>2022/3/8</a:t>
             </a:fld>
             <a:endParaRPr lang="zh-CN" altLang="en-US"/>
           </a:p>
@@ -732,10 +742,9 @@
           <a:lstStyle/>
           <a:p>
             <a:r>
-              <a:rPr lang="zh-CN" altLang="en-US" smtClean="0"/>
+              <a:rPr lang="zh-CN" altLang="en-US"/>
               <a:t>单击此处编辑母版标题样式</a:t>
             </a:r>
-            <a:endParaRPr lang="zh-CN" altLang="en-US"/>
           </a:p>
         </p:txBody>
       </p:sp>
@@ -756,38 +765,37 @@
           <a:p>
             <a:pPr lvl="0"/>
             <a:r>
-              <a:rPr lang="zh-CN" altLang="en-US" smtClean="0"/>
+              <a:rPr lang="zh-CN" altLang="en-US"/>
               <a:t>单击此处编辑母版文本样式</a:t>
             </a:r>
           </a:p>
           <a:p>
             <a:pPr lvl="1"/>
             <a:r>
-              <a:rPr lang="zh-CN" altLang="en-US" smtClean="0"/>
+              <a:rPr lang="zh-CN" altLang="en-US"/>
               <a:t>第二级</a:t>
             </a:r>
           </a:p>
           <a:p>
             <a:pPr lvl="2"/>
             <a:r>
-              <a:rPr lang="zh-CN" altLang="en-US" smtClean="0"/>
+              <a:rPr lang="zh-CN" altLang="en-US"/>
               <a:t>第三级</a:t>
             </a:r>
           </a:p>
           <a:p>
             <a:pPr lvl="3"/>
             <a:r>
-              <a:rPr lang="zh-CN" altLang="en-US" smtClean="0"/>
+              <a:rPr lang="zh-CN" altLang="en-US"/>
               <a:t>第四级</a:t>
             </a:r>
           </a:p>
           <a:p>
             <a:pPr lvl="4"/>
             <a:r>
-              <a:rPr lang="zh-CN" altLang="en-US" smtClean="0"/>
+              <a:rPr lang="zh-CN" altLang="en-US"/>
               <a:t>第五级</a:t>
             </a:r>
-            <a:endParaRPr lang="zh-CN" altLang="en-US"/>
           </a:p>
         </p:txBody>
       </p:sp>
@@ -808,7 +816,7 @@
           <a:p>
             <a:fld id="{2D92655B-18C8-469C-B99E-C3D36C895AA1}" type="datetimeFigureOut">
               <a:rPr lang="zh-CN" altLang="en-US" smtClean="0"/>
-              <a:t>2022/2/28</a:t>
+              <a:t>2022/3/8</a:t>
             </a:fld>
             <a:endParaRPr lang="zh-CN" altLang="en-US"/>
           </a:p>
@@ -911,10 +919,9 @@
           </a:lstStyle>
           <a:p>
             <a:r>
-              <a:rPr lang="zh-CN" altLang="en-US" smtClean="0"/>
+              <a:rPr lang="zh-CN" altLang="en-US"/>
               <a:t>单击此处编辑母版标题样式</a:t>
             </a:r>
-            <a:endParaRPr lang="zh-CN" altLang="en-US"/>
           </a:p>
         </p:txBody>
       </p:sp>
@@ -1031,7 +1038,7 @@
           <a:p>
             <a:pPr lvl="0"/>
             <a:r>
-              <a:rPr lang="zh-CN" altLang="en-US" smtClean="0"/>
+              <a:rPr lang="zh-CN" altLang="en-US"/>
               <a:t>单击此处编辑母版文本样式</a:t>
             </a:r>
           </a:p>
@@ -1054,7 +1061,7 @@
           <a:p>
             <a:fld id="{2D92655B-18C8-469C-B99E-C3D36C895AA1}" type="datetimeFigureOut">
               <a:rPr lang="zh-CN" altLang="en-US" smtClean="0"/>
-              <a:t>2022/2/28</a:t>
+              <a:t>2022/3/8</a:t>
             </a:fld>
             <a:endParaRPr lang="zh-CN" altLang="en-US"/>
           </a:p>
@@ -1148,10 +1155,9 @@
           <a:lstStyle/>
           <a:p>
             <a:r>
-              <a:rPr lang="zh-CN" altLang="en-US" smtClean="0"/>
+              <a:rPr lang="zh-CN" altLang="en-US"/>
               <a:t>单击此处编辑母版标题样式</a:t>
             </a:r>
-            <a:endParaRPr lang="zh-CN" altLang="en-US"/>
           </a:p>
         </p:txBody>
       </p:sp>
@@ -1205,38 +1211,37 @@
           <a:p>
             <a:pPr lvl="0"/>
             <a:r>
-              <a:rPr lang="zh-CN" altLang="en-US" smtClean="0"/>
+              <a:rPr lang="zh-CN" altLang="en-US"/>
               <a:t>单击此处编辑母版文本样式</a:t>
             </a:r>
           </a:p>
           <a:p>
             <a:pPr lvl="1"/>
             <a:r>
-              <a:rPr lang="zh-CN" altLang="en-US" smtClean="0"/>
+              <a:rPr lang="zh-CN" altLang="en-US"/>
               <a:t>第二级</a:t>
             </a:r>
           </a:p>
           <a:p>
             <a:pPr lvl="2"/>
             <a:r>
-              <a:rPr lang="zh-CN" altLang="en-US" smtClean="0"/>
+              <a:rPr lang="zh-CN" altLang="en-US"/>
               <a:t>第三级</a:t>
             </a:r>
           </a:p>
           <a:p>
             <a:pPr lvl="3"/>
             <a:r>
-              <a:rPr lang="zh-CN" altLang="en-US" smtClean="0"/>
+              <a:rPr lang="zh-CN" altLang="en-US"/>
               <a:t>第四级</a:t>
             </a:r>
           </a:p>
           <a:p>
             <a:pPr lvl="4"/>
             <a:r>
-              <a:rPr lang="zh-CN" altLang="en-US" smtClean="0"/>
+              <a:rPr lang="zh-CN" altLang="en-US"/>
               <a:t>第五级</a:t>
             </a:r>
-            <a:endParaRPr lang="zh-CN" altLang="en-US"/>
           </a:p>
         </p:txBody>
       </p:sp>
@@ -1290,38 +1295,37 @@
           <a:p>
             <a:pPr lvl="0"/>
             <a:r>
-              <a:rPr lang="zh-CN" altLang="en-US" smtClean="0"/>
+              <a:rPr lang="zh-CN" altLang="en-US"/>
               <a:t>单击此处编辑母版文本样式</a:t>
             </a:r>
           </a:p>
           <a:p>
             <a:pPr lvl="1"/>
             <a:r>
-              <a:rPr lang="zh-CN" altLang="en-US" smtClean="0"/>
+              <a:rPr lang="zh-CN" altLang="en-US"/>
               <a:t>第二级</a:t>
             </a:r>
           </a:p>
           <a:p>
             <a:pPr lvl="2"/>
             <a:r>
-              <a:rPr lang="zh-CN" altLang="en-US" smtClean="0"/>
+              <a:rPr lang="zh-CN" altLang="en-US"/>
               <a:t>第三级</a:t>
             </a:r>
           </a:p>
           <a:p>
             <a:pPr lvl="3"/>
             <a:r>
-              <a:rPr lang="zh-CN" altLang="en-US" smtClean="0"/>
+              <a:rPr lang="zh-CN" altLang="en-US"/>
               <a:t>第四级</a:t>
             </a:r>
           </a:p>
           <a:p>
             <a:pPr lvl="4"/>
             <a:r>
-              <a:rPr lang="zh-CN" altLang="en-US" smtClean="0"/>
+              <a:rPr lang="zh-CN" altLang="en-US"/>
               <a:t>第五级</a:t>
             </a:r>
-            <a:endParaRPr lang="zh-CN" altLang="en-US"/>
           </a:p>
         </p:txBody>
       </p:sp>
@@ -1342,7 +1346,7 @@
           <a:p>
             <a:fld id="{2D92655B-18C8-469C-B99E-C3D36C895AA1}" type="datetimeFigureOut">
               <a:rPr lang="zh-CN" altLang="en-US" smtClean="0"/>
-              <a:t>2022/2/28</a:t>
+              <a:t>2022/3/8</a:t>
             </a:fld>
             <a:endParaRPr lang="zh-CN" altLang="en-US"/>
           </a:p>
@@ -1440,10 +1444,9 @@
           </a:lstStyle>
           <a:p>
             <a:r>
-              <a:rPr lang="zh-CN" altLang="en-US" smtClean="0"/>
+              <a:rPr lang="zh-CN" altLang="en-US"/>
               <a:t>单击此处编辑母版标题样式</a:t>
             </a:r>
-            <a:endParaRPr lang="zh-CN" altLang="en-US"/>
           </a:p>
         </p:txBody>
       </p:sp>
@@ -1506,7 +1509,7 @@
           <a:p>
             <a:pPr lvl="0"/>
             <a:r>
-              <a:rPr lang="zh-CN" altLang="en-US" smtClean="0"/>
+              <a:rPr lang="zh-CN" altLang="en-US"/>
               <a:t>单击此处编辑母版文本样式</a:t>
             </a:r>
           </a:p>
@@ -1562,38 +1565,37 @@
           <a:p>
             <a:pPr lvl="0"/>
             <a:r>
-              <a:rPr lang="zh-CN" altLang="en-US" smtClean="0"/>
+              <a:rPr lang="zh-CN" altLang="en-US"/>
               <a:t>单击此处编辑母版文本样式</a:t>
             </a:r>
           </a:p>
           <a:p>
             <a:pPr lvl="1"/>
             <a:r>
-              <a:rPr lang="zh-CN" altLang="en-US" smtClean="0"/>
+              <a:rPr lang="zh-CN" altLang="en-US"/>
               <a:t>第二级</a:t>
             </a:r>
           </a:p>
           <a:p>
             <a:pPr lvl="2"/>
             <a:r>
-              <a:rPr lang="zh-CN" altLang="en-US" smtClean="0"/>
+              <a:rPr lang="zh-CN" altLang="en-US"/>
               <a:t>第三级</a:t>
             </a:r>
           </a:p>
           <a:p>
             <a:pPr lvl="3"/>
             <a:r>
-              <a:rPr lang="zh-CN" altLang="en-US" smtClean="0"/>
+              <a:rPr lang="zh-CN" altLang="en-US"/>
               <a:t>第四级</a:t>
             </a:r>
           </a:p>
           <a:p>
             <a:pPr lvl="4"/>
             <a:r>
-              <a:rPr lang="zh-CN" altLang="en-US" smtClean="0"/>
+              <a:rPr lang="zh-CN" altLang="en-US"/>
               <a:t>第五级</a:t>
             </a:r>
-            <a:endParaRPr lang="zh-CN" altLang="en-US"/>
           </a:p>
         </p:txBody>
       </p:sp>
@@ -1656,7 +1658,7 @@
           <a:p>
             <a:pPr lvl="0"/>
             <a:r>
-              <a:rPr lang="zh-CN" altLang="en-US" smtClean="0"/>
+              <a:rPr lang="zh-CN" altLang="en-US"/>
               <a:t>单击此处编辑母版文本样式</a:t>
             </a:r>
           </a:p>
@@ -1712,38 +1714,37 @@
           <a:p>
             <a:pPr lvl="0"/>
             <a:r>
-              <a:rPr lang="zh-CN" altLang="en-US" smtClean="0"/>
+              <a:rPr lang="zh-CN" altLang="en-US"/>
               <a:t>单击此处编辑母版文本样式</a:t>
             </a:r>
           </a:p>
           <a:p>
             <a:pPr lvl="1"/>
             <a:r>
-              <a:rPr lang="zh-CN" altLang="en-US" smtClean="0"/>
+              <a:rPr lang="zh-CN" altLang="en-US"/>
               <a:t>第二级</a:t>
             </a:r>
           </a:p>
           <a:p>
             <a:pPr lvl="2"/>
             <a:r>
-              <a:rPr lang="zh-CN" altLang="en-US" smtClean="0"/>
+              <a:rPr lang="zh-CN" altLang="en-US"/>
               <a:t>第三级</a:t>
             </a:r>
           </a:p>
           <a:p>
             <a:pPr lvl="3"/>
             <a:r>
-              <a:rPr lang="zh-CN" altLang="en-US" smtClean="0"/>
+              <a:rPr lang="zh-CN" altLang="en-US"/>
               <a:t>第四级</a:t>
             </a:r>
           </a:p>
           <a:p>
             <a:pPr lvl="4"/>
             <a:r>
-              <a:rPr lang="zh-CN" altLang="en-US" smtClean="0"/>
+              <a:rPr lang="zh-CN" altLang="en-US"/>
               <a:t>第五级</a:t>
             </a:r>
-            <a:endParaRPr lang="zh-CN" altLang="en-US"/>
           </a:p>
         </p:txBody>
       </p:sp>
@@ -1764,7 +1765,7 @@
           <a:p>
             <a:fld id="{2D92655B-18C8-469C-B99E-C3D36C895AA1}" type="datetimeFigureOut">
               <a:rPr lang="zh-CN" altLang="en-US" smtClean="0"/>
-              <a:t>2022/2/28</a:t>
+              <a:t>2022/3/8</a:t>
             </a:fld>
             <a:endParaRPr lang="zh-CN" altLang="en-US"/>
           </a:p>
@@ -1858,10 +1859,9 @@
           <a:lstStyle/>
           <a:p>
             <a:r>
-              <a:rPr lang="zh-CN" altLang="en-US" smtClean="0"/>
+              <a:rPr lang="zh-CN" altLang="en-US"/>
               <a:t>单击此处编辑母版标题样式</a:t>
             </a:r>
-            <a:endParaRPr lang="zh-CN" altLang="en-US"/>
           </a:p>
         </p:txBody>
       </p:sp>
@@ -1882,7 +1882,7 @@
           <a:p>
             <a:fld id="{2D92655B-18C8-469C-B99E-C3D36C895AA1}" type="datetimeFigureOut">
               <a:rPr lang="zh-CN" altLang="en-US" smtClean="0"/>
-              <a:t>2022/2/28</a:t>
+              <a:t>2022/3/8</a:t>
             </a:fld>
             <a:endParaRPr lang="zh-CN" altLang="en-US"/>
           </a:p>
@@ -1977,7 +1977,7 @@
           <a:p>
             <a:fld id="{2D92655B-18C8-469C-B99E-C3D36C895AA1}" type="datetimeFigureOut">
               <a:rPr lang="zh-CN" altLang="en-US" smtClean="0"/>
-              <a:t>2022/2/28</a:t>
+              <a:t>2022/3/8</a:t>
             </a:fld>
             <a:endParaRPr lang="zh-CN" altLang="en-US"/>
           </a:p>
@@ -2080,10 +2080,9 @@
           </a:lstStyle>
           <a:p>
             <a:r>
-              <a:rPr lang="zh-CN" altLang="en-US" smtClean="0"/>
+              <a:rPr lang="zh-CN" altLang="en-US"/>
               <a:t>单击此处编辑母版标题样式</a:t>
             </a:r>
-            <a:endParaRPr lang="zh-CN" altLang="en-US"/>
           </a:p>
         </p:txBody>
       </p:sp>
@@ -2137,38 +2136,37 @@
           <a:p>
             <a:pPr lvl="0"/>
             <a:r>
-              <a:rPr lang="zh-CN" altLang="en-US" smtClean="0"/>
+              <a:rPr lang="zh-CN" altLang="en-US"/>
               <a:t>单击此处编辑母版文本样式</a:t>
             </a:r>
           </a:p>
           <a:p>
             <a:pPr lvl="1"/>
             <a:r>
-              <a:rPr lang="zh-CN" altLang="en-US" smtClean="0"/>
+              <a:rPr lang="zh-CN" altLang="en-US"/>
               <a:t>第二级</a:t>
             </a:r>
           </a:p>
           <a:p>
             <a:pPr lvl="2"/>
             <a:r>
-              <a:rPr lang="zh-CN" altLang="en-US" smtClean="0"/>
+              <a:rPr lang="zh-CN" altLang="en-US"/>
               <a:t>第三级</a:t>
             </a:r>
           </a:p>
           <a:p>
             <a:pPr lvl="3"/>
             <a:r>
-              <a:rPr lang="zh-CN" altLang="en-US" smtClean="0"/>
+              <a:rPr lang="zh-CN" altLang="en-US"/>
               <a:t>第四级</a:t>
             </a:r>
           </a:p>
           <a:p>
             <a:pPr lvl="4"/>
             <a:r>
-              <a:rPr lang="zh-CN" altLang="en-US" smtClean="0"/>
+              <a:rPr lang="zh-CN" altLang="en-US"/>
               <a:t>第五级</a:t>
             </a:r>
-            <a:endParaRPr lang="zh-CN" altLang="en-US"/>
           </a:p>
         </p:txBody>
       </p:sp>
@@ -2231,7 +2229,7 @@
           <a:p>
             <a:pPr lvl="0"/>
             <a:r>
-              <a:rPr lang="zh-CN" altLang="en-US" smtClean="0"/>
+              <a:rPr lang="zh-CN" altLang="en-US"/>
               <a:t>单击此处编辑母版文本样式</a:t>
             </a:r>
           </a:p>
@@ -2254,7 +2252,7 @@
           <a:p>
             <a:fld id="{2D92655B-18C8-469C-B99E-C3D36C895AA1}" type="datetimeFigureOut">
               <a:rPr lang="zh-CN" altLang="en-US" smtClean="0"/>
-              <a:t>2022/2/28</a:t>
+              <a:t>2022/3/8</a:t>
             </a:fld>
             <a:endParaRPr lang="zh-CN" altLang="en-US"/>
           </a:p>
@@ -2357,10 +2355,9 @@
           </a:lstStyle>
           <a:p>
             <a:r>
-              <a:rPr lang="zh-CN" altLang="en-US" smtClean="0"/>
+              <a:rPr lang="zh-CN" altLang="en-US"/>
               <a:t>单击此处编辑母版标题样式</a:t>
             </a:r>
-            <a:endParaRPr lang="zh-CN" altLang="en-US"/>
           </a:p>
         </p:txBody>
       </p:sp>
@@ -2484,7 +2481,7 @@
           <a:p>
             <a:pPr lvl="0"/>
             <a:r>
-              <a:rPr lang="zh-CN" altLang="en-US" smtClean="0"/>
+              <a:rPr lang="zh-CN" altLang="en-US"/>
               <a:t>单击此处编辑母版文本样式</a:t>
             </a:r>
           </a:p>
@@ -2507,7 +2504,7 @@
           <a:p>
             <a:fld id="{2D92655B-18C8-469C-B99E-C3D36C895AA1}" type="datetimeFigureOut">
               <a:rPr lang="zh-CN" altLang="en-US" smtClean="0"/>
-              <a:t>2022/2/28</a:t>
+              <a:t>2022/3/8</a:t>
             </a:fld>
             <a:endParaRPr lang="zh-CN" altLang="en-US"/>
           </a:p>
@@ -2616,10 +2613,9 @@
           <a:lstStyle/>
           <a:p>
             <a:r>
-              <a:rPr lang="zh-CN" altLang="en-US" smtClean="0"/>
+              <a:rPr lang="zh-CN" altLang="en-US"/>
               <a:t>单击此处编辑母版标题样式</a:t>
             </a:r>
-            <a:endParaRPr lang="zh-CN" altLang="en-US"/>
           </a:p>
         </p:txBody>
       </p:sp>
@@ -2650,38 +2646,37 @@
           <a:p>
             <a:pPr lvl="0"/>
             <a:r>
-              <a:rPr lang="zh-CN" altLang="en-US" smtClean="0"/>
+              <a:rPr lang="zh-CN" altLang="en-US"/>
               <a:t>单击此处编辑母版文本样式</a:t>
             </a:r>
           </a:p>
           <a:p>
             <a:pPr lvl="1"/>
             <a:r>
-              <a:rPr lang="zh-CN" altLang="en-US" smtClean="0"/>
+              <a:rPr lang="zh-CN" altLang="en-US"/>
               <a:t>第二级</a:t>
             </a:r>
           </a:p>
           <a:p>
             <a:pPr lvl="2"/>
             <a:r>
-              <a:rPr lang="zh-CN" altLang="en-US" smtClean="0"/>
+              <a:rPr lang="zh-CN" altLang="en-US"/>
               <a:t>第三级</a:t>
             </a:r>
           </a:p>
           <a:p>
             <a:pPr lvl="3"/>
             <a:r>
-              <a:rPr lang="zh-CN" altLang="en-US" smtClean="0"/>
+              <a:rPr lang="zh-CN" altLang="en-US"/>
               <a:t>第四级</a:t>
             </a:r>
           </a:p>
           <a:p>
             <a:pPr lvl="4"/>
             <a:r>
-              <a:rPr lang="zh-CN" altLang="en-US" smtClean="0"/>
+              <a:rPr lang="zh-CN" altLang="en-US"/>
               <a:t>第五级</a:t>
             </a:r>
-            <a:endParaRPr lang="zh-CN" altLang="en-US"/>
           </a:p>
         </p:txBody>
       </p:sp>
@@ -2720,7 +2715,7 @@
           <a:p>
             <a:fld id="{2D92655B-18C8-469C-B99E-C3D36C895AA1}" type="datetimeFigureOut">
               <a:rPr lang="zh-CN" altLang="en-US" smtClean="0"/>
-              <a:t>2022/2/28</a:t>
+              <a:t>2022/3/8</a:t>
             </a:fld>
             <a:endParaRPr lang="zh-CN" altLang="en-US"/>
           </a:p>
@@ -3119,7 +3114,7 @@
           <a:p>
             <a:pPr eaLnBrk="1" hangingPunct="1"/>
             <a:r>
-              <a:rPr lang="zh-CN" altLang="en-US" sz="4000" dirty="0" smtClean="0">
+              <a:rPr lang="zh-CN" altLang="en-US" sz="4000" dirty="0">
                 <a:solidFill>
                   <a:schemeClr val="tx1"/>
                 </a:solidFill>
@@ -3128,7 +3123,7 @@
               <a:t>第一次作业题  </a:t>
             </a:r>
             <a:r>
-              <a:rPr lang="en-US" altLang="zh-CN" sz="2800" dirty="0" smtClean="0">
+              <a:rPr lang="en-US" altLang="zh-CN" sz="2800" dirty="0">
                 <a:solidFill>
                   <a:schemeClr val="tx1"/>
                 </a:solidFill>
@@ -3137,7 +3132,7 @@
               <a:t>2022/3/8</a:t>
             </a:r>
             <a:r>
-              <a:rPr lang="en-US" altLang="zh-CN" sz="4000" dirty="0" smtClean="0">
+              <a:rPr lang="en-US" altLang="zh-CN" sz="4000" dirty="0">
                 <a:solidFill>
                   <a:schemeClr val="tx1"/>
                 </a:solidFill>
@@ -3146,7 +3141,7 @@
               <a:t> </a:t>
             </a:r>
             <a:r>
-              <a:rPr lang="zh-CN" altLang="en-US" sz="3200" dirty="0" smtClean="0">
+              <a:rPr lang="zh-CN" altLang="en-US" sz="3200" dirty="0">
                 <a:solidFill>
                   <a:schemeClr val="tx1"/>
                 </a:solidFill>
@@ -3157,8 +3152,8 @@
           </a:p>
         </p:txBody>
       </p:sp>
-      <mc:AlternateContent xmlns:mc="http://schemas.openxmlformats.org/markup-compatibility/2006">
-        <mc:Choice xmlns:a14="http://schemas.microsoft.com/office/drawing/2010/main" Requires="a14">
+      <mc:AlternateContent xmlns:mc="http://schemas.openxmlformats.org/markup-compatibility/2006" xmlns:a14="http://schemas.microsoft.com/office/drawing/2010/main">
+        <mc:Choice Requires="a14">
           <p:sp>
             <p:nvSpPr>
               <p:cNvPr id="26627" name="Rectangle 3"/>
@@ -3188,7 +3183,7 @@
                   <a:buNone/>
                 </a:pPr>
                 <a:r>
-                  <a:rPr lang="en-US" altLang="zh-CN" sz="1600" dirty="0" smtClean="0">
+                  <a:rPr lang="en-US" altLang="zh-CN" sz="1600" dirty="0">
                     <a:latin typeface="黑体" panose="02010609060101010101" pitchFamily="49" charset="-122"/>
                     <a:ea typeface="黑体" panose="02010609060101010101" pitchFamily="49" charset="-122"/>
                   </a:rPr>
@@ -3277,16 +3272,9 @@
                     <a:latin typeface="黑体" panose="02010609060101010101" pitchFamily="49" charset="-122"/>
                     <a:ea typeface="黑体" panose="02010609060101010101" pitchFamily="49" charset="-122"/>
                   </a:rPr>
-                  <a:t>，求该仪表刻度的上下限及量程各为多少</a:t>
-                </a:r>
-                <a:r>
-                  <a:rPr lang="zh-CN" altLang="en-US" sz="1600" dirty="0" smtClean="0">
-                    <a:latin typeface="黑体" panose="02010609060101010101" pitchFamily="49" charset="-122"/>
-                    <a:ea typeface="黑体" panose="02010609060101010101" pitchFamily="49" charset="-122"/>
-                  </a:rPr>
-                  <a:t>？</a:t>
-                </a:r>
-                <a:endParaRPr lang="en-US" altLang="zh-CN" sz="1600" dirty="0" smtClean="0">
+                  <a:t>，求该仪表刻度的上下限及量程各为多少？</a:t>
+                </a:r>
+                <a:endParaRPr lang="en-US" altLang="zh-CN" sz="1600" dirty="0">
                   <a:latin typeface="黑体" panose="02010609060101010101" pitchFamily="49" charset="-122"/>
                   <a:ea typeface="黑体" panose="02010609060101010101" pitchFamily="49" charset="-122"/>
                 </a:endParaRPr>
@@ -3298,7 +3286,7 @@
                   </a:lnSpc>
                   <a:buNone/>
                 </a:pPr>
-                <a:endParaRPr lang="en-US" altLang="zh-CN" sz="1600" dirty="0" smtClean="0">
+                <a:endParaRPr lang="en-US" altLang="zh-CN" sz="1600" dirty="0">
                   <a:latin typeface="黑体" panose="02010609060101010101" pitchFamily="49" charset="-122"/>
                   <a:ea typeface="黑体" panose="02010609060101010101" pitchFamily="49" charset="-122"/>
                 </a:endParaRPr>
@@ -3312,14 +3300,14 @@
                   <a:buNone/>
                 </a:pPr>
                 <a:r>
-                  <a:rPr lang="en-US" altLang="zh-CN" sz="1600" dirty="0" smtClean="0">
+                  <a:rPr lang="en-US" altLang="zh-CN" sz="1600" dirty="0">
                     <a:latin typeface="黑体" panose="02010609060101010101" pitchFamily="49" charset="-122"/>
                     <a:ea typeface="黑体" panose="02010609060101010101" pitchFamily="49" charset="-122"/>
                   </a:rPr>
                   <a:t>2-1 </a:t>
                 </a:r>
                 <a:r>
-                  <a:rPr lang="zh-CN" altLang="en-US" sz="1600" dirty="0" smtClean="0">
+                  <a:rPr lang="zh-CN" altLang="en-US" sz="1600" dirty="0">
                     <a:latin typeface="黑体" panose="02010609060101010101" pitchFamily="49" charset="-122"/>
                     <a:ea typeface="黑体" panose="02010609060101010101" pitchFamily="49" charset="-122"/>
                   </a:rPr>
@@ -3335,28 +3323,28 @@
                   <a:buNone/>
                 </a:pPr>
                 <a:r>
-                  <a:rPr lang="en-US" altLang="zh-CN" sz="1600" dirty="0" smtClean="0">
+                  <a:rPr lang="en-US" altLang="zh-CN" sz="1600" dirty="0">
                     <a:latin typeface="黑体" panose="02010609060101010101" pitchFamily="49" charset="-122"/>
                     <a:ea typeface="黑体" panose="02010609060101010101" pitchFamily="49" charset="-122"/>
                   </a:rPr>
                   <a:t>2-3 </a:t>
                 </a:r>
                 <a:r>
-                  <a:rPr lang="zh-CN" altLang="en-US" sz="1600" dirty="0" smtClean="0">
+                  <a:rPr lang="zh-CN" altLang="en-US" sz="1600" dirty="0">
                     <a:latin typeface="黑体" panose="02010609060101010101" pitchFamily="49" charset="-122"/>
                     <a:ea typeface="黑体" panose="02010609060101010101" pitchFamily="49" charset="-122"/>
                   </a:rPr>
                   <a:t>正态分布变量以</a:t>
                 </a:r>
                 <a:r>
-                  <a:rPr lang="en-US" altLang="zh-CN" sz="1600" dirty="0" smtClean="0">
+                  <a:rPr lang="en-US" altLang="zh-CN" sz="1600" dirty="0">
                     <a:latin typeface="黑体" panose="02010609060101010101" pitchFamily="49" charset="-122"/>
                     <a:ea typeface="黑体" panose="02010609060101010101" pitchFamily="49" charset="-122"/>
                   </a:rPr>
                   <a:t>50%</a:t>
                 </a:r>
                 <a:r>
-                  <a:rPr lang="zh-CN" altLang="en-US" sz="1600" dirty="0" smtClean="0">
+                  <a:rPr lang="zh-CN" altLang="en-US" sz="1600" dirty="0">
                     <a:latin typeface="黑体" panose="02010609060101010101" pitchFamily="49" charset="-122"/>
                     <a:ea typeface="黑体" panose="02010609060101010101" pitchFamily="49" charset="-122"/>
                   </a:rPr>
@@ -3374,7 +3362,7 @@
                   </m:oMath>
                 </a14:m>
                 <a:r>
-                  <a:rPr lang="zh-CN" altLang="en-US" sz="1600" dirty="0" smtClean="0">
+                  <a:rPr lang="zh-CN" altLang="en-US" sz="1600" dirty="0">
                     <a:latin typeface="黑体" panose="02010609060101010101" pitchFamily="49" charset="-122"/>
                     <a:ea typeface="黑体" panose="02010609060101010101" pitchFamily="49" charset="-122"/>
                   </a:rPr>
@@ -3392,7 +3380,7 @@
                   </m:oMath>
                 </a14:m>
                 <a:r>
-                  <a:rPr lang="zh-CN" altLang="en-US" sz="1600" dirty="0" smtClean="0">
+                  <a:rPr lang="zh-CN" altLang="en-US" sz="1600" dirty="0">
                     <a:latin typeface="黑体" panose="02010609060101010101" pitchFamily="49" charset="-122"/>
                     <a:ea typeface="黑体" panose="02010609060101010101" pitchFamily="49" charset="-122"/>
                   </a:rPr>
@@ -3448,21 +3436,21 @@
                   </m:oMath>
                 </a14:m>
                 <a:r>
-                  <a:rPr lang="zh-CN" altLang="en-US" sz="1600" dirty="0" smtClean="0">
+                  <a:rPr lang="zh-CN" altLang="en-US" sz="1600" dirty="0">
                     <a:latin typeface="黑体" panose="02010609060101010101" pitchFamily="49" charset="-122"/>
                     <a:ea typeface="黑体" panose="02010609060101010101" pitchFamily="49" charset="-122"/>
                   </a:rPr>
                   <a:t>是区间的半宽，求标准不确定度</a:t>
                 </a:r>
                 <a:r>
-                  <a:rPr lang="en-US" altLang="zh-CN" sz="1600" dirty="0" smtClean="0">
+                  <a:rPr lang="en-US" altLang="zh-CN" sz="1600" dirty="0">
                     <a:latin typeface="黑体" panose="02010609060101010101" pitchFamily="49" charset="-122"/>
                     <a:ea typeface="黑体" panose="02010609060101010101" pitchFamily="49" charset="-122"/>
                   </a:rPr>
                   <a:t>U</a:t>
                 </a:r>
                 <a:r>
-                  <a:rPr lang="zh-CN" altLang="en-US" sz="1600" dirty="0" smtClean="0">
+                  <a:rPr lang="zh-CN" altLang="en-US" sz="1600" dirty="0">
                     <a:latin typeface="黑体" panose="02010609060101010101" pitchFamily="49" charset="-122"/>
                     <a:ea typeface="黑体" panose="02010609060101010101" pitchFamily="49" charset="-122"/>
                   </a:rPr>
@@ -3483,13 +3471,13 @@
                   </m:oMath>
                 </a14:m>
                 <a:r>
-                  <a:rPr lang="zh-CN" altLang="en-US" sz="1600" dirty="0" smtClean="0">
+                  <a:rPr lang="zh-CN" altLang="en-US" sz="1600" dirty="0">
                     <a:latin typeface="黑体" panose="02010609060101010101" pitchFamily="49" charset="-122"/>
                     <a:ea typeface="黑体" panose="02010609060101010101" pitchFamily="49" charset="-122"/>
                   </a:rPr>
                   <a:t>的关系。</a:t>
                 </a:r>
-                <a:endParaRPr lang="en-US" altLang="zh-CN" sz="1600" dirty="0" smtClean="0">
+                <a:endParaRPr lang="en-US" altLang="zh-CN" sz="1600" dirty="0">
                   <a:latin typeface="黑体" panose="02010609060101010101" pitchFamily="49" charset="-122"/>
                   <a:ea typeface="黑体" panose="02010609060101010101" pitchFamily="49" charset="-122"/>
                 </a:endParaRPr>
@@ -3503,70 +3491,70 @@
                   <a:buNone/>
                 </a:pPr>
                 <a:r>
-                  <a:rPr lang="en-US" altLang="zh-CN" sz="1600" dirty="0" smtClean="0">
+                  <a:rPr lang="en-US" altLang="zh-CN" sz="1600" dirty="0">
                     <a:latin typeface="黑体" panose="02010609060101010101" pitchFamily="49" charset="-122"/>
                     <a:ea typeface="黑体" panose="02010609060101010101" pitchFamily="49" charset="-122"/>
                   </a:rPr>
                   <a:t>2-4 </a:t>
                 </a:r>
                 <a:r>
-                  <a:rPr lang="zh-CN" altLang="en-US" sz="1600" dirty="0" smtClean="0">
+                  <a:rPr lang="zh-CN" altLang="en-US" sz="1600" dirty="0">
                     <a:latin typeface="黑体" panose="02010609060101010101" pitchFamily="49" charset="-122"/>
                     <a:ea typeface="黑体" panose="02010609060101010101" pitchFamily="49" charset="-122"/>
                   </a:rPr>
                   <a:t>某一测试报告给出</a:t>
                 </a:r>
                 <a:r>
-                  <a:rPr lang="en-US" altLang="zh-CN" sz="1600" dirty="0" smtClean="0">
+                  <a:rPr lang="en-US" altLang="zh-CN" sz="1600" dirty="0">
                     <a:latin typeface="黑体" panose="02010609060101010101" pitchFamily="49" charset="-122"/>
                     <a:ea typeface="黑体" panose="02010609060101010101" pitchFamily="49" charset="-122"/>
                   </a:rPr>
                   <a:t>L=(2.323±0.041)mm</a:t>
                 </a:r>
                 <a:r>
-                  <a:rPr lang="zh-CN" altLang="en-US" sz="1600" dirty="0" smtClean="0">
+                  <a:rPr lang="zh-CN" altLang="en-US" sz="1600" dirty="0">
                     <a:latin typeface="黑体" panose="02010609060101010101" pitchFamily="49" charset="-122"/>
                     <a:ea typeface="黑体" panose="02010609060101010101" pitchFamily="49" charset="-122"/>
                   </a:rPr>
                   <a:t>，置信概率为</a:t>
                 </a:r>
                 <a:r>
-                  <a:rPr lang="en-US" altLang="zh-CN" sz="1600" dirty="0" smtClean="0">
+                  <a:rPr lang="en-US" altLang="zh-CN" sz="1600" dirty="0">
                     <a:latin typeface="黑体" panose="02010609060101010101" pitchFamily="49" charset="-122"/>
                     <a:ea typeface="黑体" panose="02010609060101010101" pitchFamily="49" charset="-122"/>
                   </a:rPr>
                   <a:t>0.9545≈95%</a:t>
                 </a:r>
                 <a:r>
-                  <a:rPr lang="zh-CN" altLang="en-US" sz="1600" dirty="0" smtClean="0">
+                  <a:rPr lang="zh-CN" altLang="en-US" sz="1600" dirty="0">
                     <a:latin typeface="黑体" panose="02010609060101010101" pitchFamily="49" charset="-122"/>
                     <a:ea typeface="黑体" panose="02010609060101010101" pitchFamily="49" charset="-122"/>
                   </a:rPr>
                   <a:t>。求</a:t>
                 </a:r>
                 <a:r>
-                  <a:rPr lang="en-US" altLang="zh-CN" sz="1600" dirty="0" smtClean="0">
+                  <a:rPr lang="en-US" altLang="zh-CN" sz="1600" dirty="0">
                     <a:latin typeface="黑体" panose="02010609060101010101" pitchFamily="49" charset="-122"/>
                     <a:ea typeface="黑体" panose="02010609060101010101" pitchFamily="49" charset="-122"/>
                   </a:rPr>
                   <a:t>B</a:t>
                 </a:r>
                 <a:r>
-                  <a:rPr lang="zh-CN" altLang="en-US" sz="1600" dirty="0" smtClean="0">
+                  <a:rPr lang="zh-CN" altLang="en-US" sz="1600" dirty="0">
                     <a:latin typeface="黑体" panose="02010609060101010101" pitchFamily="49" charset="-122"/>
                     <a:ea typeface="黑体" panose="02010609060101010101" pitchFamily="49" charset="-122"/>
                   </a:rPr>
                   <a:t>类标准不确定度以及</a:t>
                 </a:r>
                 <a:r>
-                  <a:rPr lang="en-US" altLang="zh-CN" sz="1600" dirty="0" smtClean="0">
+                  <a:rPr lang="en-US" altLang="zh-CN" sz="1600" dirty="0">
                     <a:latin typeface="黑体" panose="02010609060101010101" pitchFamily="49" charset="-122"/>
                     <a:ea typeface="黑体" panose="02010609060101010101" pitchFamily="49" charset="-122"/>
                   </a:rPr>
                   <a:t>B</a:t>
                 </a:r>
                 <a:r>
-                  <a:rPr lang="zh-CN" altLang="en-US" sz="1600" dirty="0" smtClean="0">
+                  <a:rPr lang="zh-CN" altLang="en-US" sz="1600" dirty="0">
                     <a:latin typeface="黑体" panose="02010609060101010101" pitchFamily="49" charset="-122"/>
                     <a:ea typeface="黑体" panose="02010609060101010101" pitchFamily="49" charset="-122"/>
                   </a:rPr>
@@ -3582,35 +3570,35 @@
                   <a:buNone/>
                 </a:pPr>
                 <a:r>
-                  <a:rPr lang="en-US" altLang="zh-CN" sz="1600" dirty="0" smtClean="0">
+                  <a:rPr lang="en-US" altLang="zh-CN" sz="1600" dirty="0">
                     <a:latin typeface="黑体" panose="02010609060101010101" pitchFamily="49" charset="-122"/>
                     <a:ea typeface="黑体" panose="02010609060101010101" pitchFamily="49" charset="-122"/>
                   </a:rPr>
                   <a:t>2-5 </a:t>
                 </a:r>
                 <a:r>
-                  <a:rPr lang="zh-CN" altLang="en-US" sz="1600" dirty="0" smtClean="0">
+                  <a:rPr lang="zh-CN" altLang="en-US" sz="1600" dirty="0">
                     <a:latin typeface="黑体" panose="02010609060101010101" pitchFamily="49" charset="-122"/>
                     <a:ea typeface="黑体" panose="02010609060101010101" pitchFamily="49" charset="-122"/>
                   </a:rPr>
                   <a:t>已知最大允许误差为</a:t>
                 </a:r>
                 <a:r>
-                  <a:rPr lang="el-GR" altLang="zh-CN" sz="1600" dirty="0" smtClean="0">
+                  <a:rPr lang="el-GR" altLang="zh-CN" sz="1600" dirty="0">
                     <a:latin typeface="黑体" panose="02010609060101010101" pitchFamily="49" charset="-122"/>
                     <a:ea typeface="黑体" panose="02010609060101010101" pitchFamily="49" charset="-122"/>
                   </a:rPr>
                   <a:t>Δ</a:t>
                 </a:r>
                 <a:r>
-                  <a:rPr lang="zh-CN" altLang="en-US" sz="1600" dirty="0" smtClean="0">
+                  <a:rPr lang="zh-CN" altLang="en-US" sz="1600" dirty="0">
                     <a:latin typeface="黑体" panose="02010609060101010101" pitchFamily="49" charset="-122"/>
                     <a:ea typeface="黑体" panose="02010609060101010101" pitchFamily="49" charset="-122"/>
                   </a:rPr>
                   <a:t>，并且测量值在</a:t>
                 </a:r>
                 <a:r>
-                  <a:rPr lang="en-US" altLang="zh-CN" sz="1600" dirty="0" smtClean="0">
+                  <a:rPr lang="en-US" altLang="zh-CN" sz="1600" dirty="0">
                     <a:latin typeface="黑体" panose="02010609060101010101" pitchFamily="49" charset="-122"/>
                     <a:ea typeface="黑体" panose="02010609060101010101" pitchFamily="49" charset="-122"/>
                   </a:rPr>
@@ -3638,42 +3626,42 @@
                   </m:oMath>
                 </a14:m>
                 <a:r>
-                  <a:rPr lang="zh-CN" altLang="en-US" sz="1600" dirty="0" smtClean="0">
+                  <a:rPr lang="zh-CN" altLang="en-US" sz="1600" dirty="0">
                     <a:latin typeface="黑体" panose="02010609060101010101" pitchFamily="49" charset="-122"/>
                     <a:ea typeface="黑体" panose="02010609060101010101" pitchFamily="49" charset="-122"/>
                   </a:rPr>
                   <a:t>范围内可视为均匀分布，如何计算</a:t>
                 </a:r>
                 <a:r>
-                  <a:rPr lang="en-US" altLang="zh-CN" sz="1600" dirty="0" smtClean="0">
+                  <a:rPr lang="en-US" altLang="zh-CN" sz="1600" dirty="0">
                     <a:latin typeface="黑体" panose="02010609060101010101" pitchFamily="49" charset="-122"/>
                     <a:ea typeface="黑体" panose="02010609060101010101" pitchFamily="49" charset="-122"/>
                   </a:rPr>
                   <a:t>B</a:t>
                 </a:r>
                 <a:r>
-                  <a:rPr lang="zh-CN" altLang="en-US" sz="1600" dirty="0" smtClean="0">
+                  <a:rPr lang="zh-CN" altLang="en-US" sz="1600" dirty="0">
                     <a:latin typeface="黑体" panose="02010609060101010101" pitchFamily="49" charset="-122"/>
                     <a:ea typeface="黑体" panose="02010609060101010101" pitchFamily="49" charset="-122"/>
                   </a:rPr>
                   <a:t>类标准不确定度？</a:t>
                 </a:r>
                 <a:r>
-                  <a:rPr lang="en-US" altLang="zh-CN" sz="1600" dirty="0" smtClean="0">
+                  <a:rPr lang="en-US" altLang="zh-CN" sz="1600" dirty="0">
                     <a:latin typeface="黑体" panose="02010609060101010101" pitchFamily="49" charset="-122"/>
                     <a:ea typeface="黑体" panose="02010609060101010101" pitchFamily="49" charset="-122"/>
                   </a:rPr>
                   <a:t>(</a:t>
                 </a:r>
                 <a:r>
-                  <a:rPr lang="zh-CN" altLang="en-US" sz="1600" dirty="0" smtClean="0">
+                  <a:rPr lang="zh-CN" altLang="en-US" sz="1600" dirty="0">
                     <a:latin typeface="黑体" panose="02010609060101010101" pitchFamily="49" charset="-122"/>
                     <a:ea typeface="黑体" panose="02010609060101010101" pitchFamily="49" charset="-122"/>
                   </a:rPr>
                   <a:t>含计算过程</a:t>
                 </a:r>
                 <a:r>
-                  <a:rPr lang="en-US" altLang="zh-CN" sz="1600" dirty="0" smtClean="0">
+                  <a:rPr lang="en-US" altLang="zh-CN" sz="1600" dirty="0">
                     <a:latin typeface="黑体" panose="02010609060101010101" pitchFamily="49" charset="-122"/>
                     <a:ea typeface="黑体" panose="02010609060101010101" pitchFamily="49" charset="-122"/>
                   </a:rPr>
@@ -3688,7 +3676,7 @@
                   <a:buFontTx/>
                   <a:buNone/>
                 </a:pPr>
-                <a:endParaRPr lang="en-US" altLang="zh-CN" sz="1600" dirty="0" smtClean="0">
+                <a:endParaRPr lang="en-US" altLang="zh-CN" sz="1600" dirty="0">
                   <a:latin typeface="黑体" panose="02010609060101010101" pitchFamily="49" charset="-122"/>
                   <a:ea typeface="黑体" panose="02010609060101010101" pitchFamily="49" charset="-122"/>
                 </a:endParaRPr>
@@ -3702,70 +3690,70 @@
                   <a:buNone/>
                 </a:pPr>
                 <a:r>
-                  <a:rPr lang="en-US" altLang="zh-CN" sz="1600" dirty="0" smtClean="0">
+                  <a:rPr lang="en-US" altLang="zh-CN" sz="1600" dirty="0">
                     <a:latin typeface="黑体" panose="02010609060101010101" pitchFamily="49" charset="-122"/>
                     <a:ea typeface="黑体" panose="02010609060101010101" pitchFamily="49" charset="-122"/>
                   </a:rPr>
                   <a:t>2-6 </a:t>
                 </a:r>
                 <a:r>
-                  <a:rPr lang="zh-CN" altLang="en-US" sz="1600" dirty="0" smtClean="0">
+                  <a:rPr lang="zh-CN" altLang="en-US" sz="1600" dirty="0">
                     <a:latin typeface="黑体" panose="02010609060101010101" pitchFamily="49" charset="-122"/>
                     <a:ea typeface="黑体" panose="02010609060101010101" pitchFamily="49" charset="-122"/>
                   </a:rPr>
                   <a:t>输出量为标称值</a:t>
                 </a:r>
                 <a:r>
-                  <a:rPr lang="en-US" altLang="zh-CN" sz="1600" dirty="0" smtClean="0">
+                  <a:rPr lang="en-US" altLang="zh-CN" sz="1600" dirty="0">
                     <a:latin typeface="黑体" panose="02010609060101010101" pitchFamily="49" charset="-122"/>
                     <a:ea typeface="黑体" panose="02010609060101010101" pitchFamily="49" charset="-122"/>
                   </a:rPr>
                   <a:t>150mm</a:t>
                 </a:r>
                 <a:r>
-                  <a:rPr lang="zh-CN" altLang="en-US" sz="1600" dirty="0" smtClean="0">
+                  <a:rPr lang="zh-CN" altLang="en-US" sz="1600" dirty="0">
                     <a:latin typeface="黑体" panose="02010609060101010101" pitchFamily="49" charset="-122"/>
                     <a:ea typeface="黑体" panose="02010609060101010101" pitchFamily="49" charset="-122"/>
                   </a:rPr>
                   <a:t>的杆的长度，所用测长仪在所使用的这一段长度所给出的系统偏差是</a:t>
                 </a:r>
                 <a:r>
-                  <a:rPr lang="en-US" altLang="zh-CN" sz="1600" dirty="0" smtClean="0">
+                  <a:rPr lang="en-US" altLang="zh-CN" sz="1600" dirty="0">
                     <a:latin typeface="黑体" panose="02010609060101010101" pitchFamily="49" charset="-122"/>
                     <a:ea typeface="黑体" panose="02010609060101010101" pitchFamily="49" charset="-122"/>
                   </a:rPr>
                   <a:t>-0.06mm</a:t>
                 </a:r>
                 <a:r>
-                  <a:rPr lang="zh-CN" altLang="en-US" sz="1600" dirty="0" smtClean="0">
+                  <a:rPr lang="zh-CN" altLang="en-US" sz="1600" dirty="0">
                     <a:latin typeface="黑体" panose="02010609060101010101" pitchFamily="49" charset="-122"/>
                     <a:ea typeface="黑体" panose="02010609060101010101" pitchFamily="49" charset="-122"/>
                   </a:rPr>
                   <a:t>，输入量系统偏差的不确定度可以忽略不计，该杆经过了</a:t>
                 </a:r>
                 <a:r>
-                  <a:rPr lang="en-US" altLang="zh-CN" sz="1600" dirty="0" smtClean="0">
+                  <a:rPr lang="en-US" altLang="zh-CN" sz="1600" dirty="0">
                     <a:latin typeface="黑体" panose="02010609060101010101" pitchFamily="49" charset="-122"/>
                     <a:ea typeface="黑体" panose="02010609060101010101" pitchFamily="49" charset="-122"/>
                   </a:rPr>
                   <a:t>n=20</a:t>
                 </a:r>
                 <a:r>
-                  <a:rPr lang="zh-CN" altLang="en-US" sz="1600" dirty="0" smtClean="0">
+                  <a:rPr lang="zh-CN" altLang="en-US" sz="1600" dirty="0">
                     <a:latin typeface="黑体" panose="02010609060101010101" pitchFamily="49" charset="-122"/>
                     <a:ea typeface="黑体" panose="02010609060101010101" pitchFamily="49" charset="-122"/>
                   </a:rPr>
                   <a:t>次独立重复测量，结果如下所示，求输出量的最佳估计值及其测量不确定度</a:t>
                 </a:r>
                 <a:r>
-                  <a:rPr lang="en-US" altLang="zh-CN" sz="1600" dirty="0" smtClean="0">
+                  <a:rPr lang="en-US" altLang="zh-CN" sz="1600" dirty="0">
                     <a:latin typeface="黑体" panose="02010609060101010101" pitchFamily="49" charset="-122"/>
                     <a:ea typeface="黑体" panose="02010609060101010101" pitchFamily="49" charset="-122"/>
                   </a:rPr>
                   <a:t>U(y)</a:t>
                 </a:r>
                 <a:r>
-                  <a:rPr lang="zh-CN" altLang="en-US" sz="1600" dirty="0" smtClean="0">
+                  <a:rPr lang="zh-CN" altLang="en-US" sz="1600" dirty="0">
                     <a:latin typeface="黑体" panose="02010609060101010101" pitchFamily="49" charset="-122"/>
                     <a:ea typeface="黑体" panose="02010609060101010101" pitchFamily="49" charset="-122"/>
                   </a:rPr>
@@ -3781,133 +3769,133 @@
                   <a:buNone/>
                 </a:pPr>
                 <a:r>
-                  <a:rPr lang="en-US" altLang="zh-CN" sz="1600" dirty="0" smtClean="0">
+                  <a:rPr lang="en-US" altLang="zh-CN" sz="1600" dirty="0">
                     <a:latin typeface="黑体" panose="02010609060101010101" pitchFamily="49" charset="-122"/>
                     <a:ea typeface="黑体" panose="02010609060101010101" pitchFamily="49" charset="-122"/>
                   </a:rPr>
                   <a:t>      150.14</a:t>
                 </a:r>
                 <a:r>
-                  <a:rPr lang="zh-CN" altLang="en-US" sz="1600" dirty="0" smtClean="0">
+                  <a:rPr lang="zh-CN" altLang="en-US" sz="1600" dirty="0">
                     <a:latin typeface="黑体" panose="02010609060101010101" pitchFamily="49" charset="-122"/>
                     <a:ea typeface="黑体" panose="02010609060101010101" pitchFamily="49" charset="-122"/>
                   </a:rPr>
                   <a:t>，</a:t>
                 </a:r>
                 <a:r>
-                  <a:rPr lang="en-US" altLang="zh-CN" sz="1600" dirty="0" smtClean="0">
+                  <a:rPr lang="en-US" altLang="zh-CN" sz="1600" dirty="0">
                     <a:latin typeface="黑体" panose="02010609060101010101" pitchFamily="49" charset="-122"/>
                     <a:ea typeface="黑体" panose="02010609060101010101" pitchFamily="49" charset="-122"/>
                   </a:rPr>
                   <a:t>150.04</a:t>
                 </a:r>
                 <a:r>
-                  <a:rPr lang="zh-CN" altLang="en-US" sz="1600" dirty="0" smtClean="0">
+                  <a:rPr lang="zh-CN" altLang="en-US" sz="1600" dirty="0">
                     <a:latin typeface="黑体" panose="02010609060101010101" pitchFamily="49" charset="-122"/>
                     <a:ea typeface="黑体" panose="02010609060101010101" pitchFamily="49" charset="-122"/>
                   </a:rPr>
                   <a:t>，</a:t>
                 </a:r>
                 <a:r>
-                  <a:rPr lang="en-US" altLang="zh-CN" sz="1600" dirty="0" smtClean="0">
+                  <a:rPr lang="en-US" altLang="zh-CN" sz="1600" dirty="0">
                     <a:latin typeface="黑体" panose="02010609060101010101" pitchFamily="49" charset="-122"/>
                     <a:ea typeface="黑体" panose="02010609060101010101" pitchFamily="49" charset="-122"/>
                   </a:rPr>
                   <a:t>149.97</a:t>
                 </a:r>
                 <a:r>
-                  <a:rPr lang="zh-CN" altLang="en-US" sz="1600" dirty="0" smtClean="0">
+                  <a:rPr lang="zh-CN" altLang="en-US" sz="1600" dirty="0">
                     <a:latin typeface="黑体" panose="02010609060101010101" pitchFamily="49" charset="-122"/>
                     <a:ea typeface="黑体" panose="02010609060101010101" pitchFamily="49" charset="-122"/>
                   </a:rPr>
                   <a:t>，</a:t>
                 </a:r>
                 <a:r>
-                  <a:rPr lang="en-US" altLang="zh-CN" sz="1600" dirty="0" smtClean="0">
+                  <a:rPr lang="en-US" altLang="zh-CN" sz="1600" dirty="0">
                     <a:latin typeface="黑体" panose="02010609060101010101" pitchFamily="49" charset="-122"/>
                     <a:ea typeface="黑体" panose="02010609060101010101" pitchFamily="49" charset="-122"/>
                   </a:rPr>
                   <a:t>150.08</a:t>
                 </a:r>
                 <a:r>
-                  <a:rPr lang="zh-CN" altLang="en-US" sz="1600" dirty="0" smtClean="0">
+                  <a:rPr lang="zh-CN" altLang="en-US" sz="1600" dirty="0">
                     <a:latin typeface="黑体" panose="02010609060101010101" pitchFamily="49" charset="-122"/>
                     <a:ea typeface="黑体" panose="02010609060101010101" pitchFamily="49" charset="-122"/>
                   </a:rPr>
                   <a:t>，</a:t>
                 </a:r>
                 <a:r>
-                  <a:rPr lang="en-US" altLang="zh-CN" sz="1600" dirty="0" smtClean="0">
+                  <a:rPr lang="en-US" altLang="zh-CN" sz="1600" dirty="0">
                     <a:latin typeface="黑体" panose="02010609060101010101" pitchFamily="49" charset="-122"/>
                     <a:ea typeface="黑体" panose="02010609060101010101" pitchFamily="49" charset="-122"/>
                   </a:rPr>
                   <a:t>149.93</a:t>
                 </a:r>
                 <a:r>
-                  <a:rPr lang="zh-CN" altLang="en-US" sz="1600" dirty="0" smtClean="0">
+                  <a:rPr lang="zh-CN" altLang="en-US" sz="1600" dirty="0">
                     <a:latin typeface="黑体" panose="02010609060101010101" pitchFamily="49" charset="-122"/>
                     <a:ea typeface="黑体" panose="02010609060101010101" pitchFamily="49" charset="-122"/>
                   </a:rPr>
                   <a:t>，</a:t>
                 </a:r>
                 <a:r>
-                  <a:rPr lang="en-US" altLang="zh-CN" sz="1600" dirty="0" smtClean="0">
+                  <a:rPr lang="en-US" altLang="zh-CN" sz="1600" dirty="0">
                     <a:latin typeface="黑体" panose="02010609060101010101" pitchFamily="49" charset="-122"/>
                     <a:ea typeface="黑体" panose="02010609060101010101" pitchFamily="49" charset="-122"/>
                   </a:rPr>
                   <a:t>149.99</a:t>
                 </a:r>
                 <a:r>
-                  <a:rPr lang="zh-CN" altLang="en-US" sz="1600" dirty="0" smtClean="0">
+                  <a:rPr lang="zh-CN" altLang="en-US" sz="1600" dirty="0">
                     <a:latin typeface="黑体" panose="02010609060101010101" pitchFamily="49" charset="-122"/>
                     <a:ea typeface="黑体" panose="02010609060101010101" pitchFamily="49" charset="-122"/>
                   </a:rPr>
                   <a:t>，</a:t>
                 </a:r>
                 <a:r>
-                  <a:rPr lang="en-US" altLang="zh-CN" sz="1600" dirty="0" smtClean="0">
+                  <a:rPr lang="en-US" altLang="zh-CN" sz="1600" dirty="0">
                     <a:latin typeface="黑体" panose="02010609060101010101" pitchFamily="49" charset="-122"/>
                     <a:ea typeface="黑体" panose="02010609060101010101" pitchFamily="49" charset="-122"/>
                   </a:rPr>
                   <a:t>150.13</a:t>
                 </a:r>
                 <a:r>
-                  <a:rPr lang="zh-CN" altLang="en-US" sz="1600" dirty="0" smtClean="0">
+                  <a:rPr lang="zh-CN" altLang="en-US" sz="1600" dirty="0">
                     <a:latin typeface="黑体" panose="02010609060101010101" pitchFamily="49" charset="-122"/>
                     <a:ea typeface="黑体" panose="02010609060101010101" pitchFamily="49" charset="-122"/>
                   </a:rPr>
                   <a:t>，</a:t>
                 </a:r>
                 <a:r>
-                  <a:rPr lang="en-US" altLang="zh-CN" sz="1600" dirty="0" smtClean="0">
+                  <a:rPr lang="en-US" altLang="zh-CN" sz="1600" dirty="0">
                     <a:latin typeface="黑体" panose="02010609060101010101" pitchFamily="49" charset="-122"/>
                     <a:ea typeface="黑体" panose="02010609060101010101" pitchFamily="49" charset="-122"/>
                   </a:rPr>
                   <a:t>150.09</a:t>
                 </a:r>
                 <a:r>
-                  <a:rPr lang="zh-CN" altLang="en-US" sz="1600" dirty="0" smtClean="0">
+                  <a:rPr lang="zh-CN" altLang="en-US" sz="1600" dirty="0">
                     <a:latin typeface="黑体" panose="02010609060101010101" pitchFamily="49" charset="-122"/>
                     <a:ea typeface="黑体" panose="02010609060101010101" pitchFamily="49" charset="-122"/>
                   </a:rPr>
                   <a:t>，</a:t>
                 </a:r>
                 <a:r>
-                  <a:rPr lang="en-US" altLang="zh-CN" sz="1600" dirty="0" smtClean="0">
+                  <a:rPr lang="en-US" altLang="zh-CN" sz="1600" dirty="0">
                     <a:latin typeface="黑体" panose="02010609060101010101" pitchFamily="49" charset="-122"/>
                     <a:ea typeface="黑体" panose="02010609060101010101" pitchFamily="49" charset="-122"/>
                   </a:rPr>
                   <a:t>149.89</a:t>
                 </a:r>
                 <a:r>
-                  <a:rPr lang="zh-CN" altLang="en-US" sz="1600" dirty="0" smtClean="0">
+                  <a:rPr lang="zh-CN" altLang="en-US" sz="1600" dirty="0">
                     <a:latin typeface="黑体" panose="02010609060101010101" pitchFamily="49" charset="-122"/>
                     <a:ea typeface="黑体" panose="02010609060101010101" pitchFamily="49" charset="-122"/>
                   </a:rPr>
                   <a:t>，</a:t>
                 </a:r>
                 <a:r>
-                  <a:rPr lang="en-US" altLang="zh-CN" sz="1600" dirty="0" smtClean="0">
+                  <a:rPr lang="en-US" altLang="zh-CN" sz="1600" dirty="0">
                     <a:latin typeface="黑体" panose="02010609060101010101" pitchFamily="49" charset="-122"/>
                     <a:ea typeface="黑体" panose="02010609060101010101" pitchFamily="49" charset="-122"/>
                   </a:rPr>
@@ -3923,133 +3911,133 @@
                   <a:buNone/>
                 </a:pPr>
                 <a:r>
-                  <a:rPr lang="en-US" altLang="zh-CN" sz="1600" dirty="0" smtClean="0">
+                  <a:rPr lang="en-US" altLang="zh-CN" sz="1600" dirty="0">
                     <a:latin typeface="黑体" panose="02010609060101010101" pitchFamily="49" charset="-122"/>
                     <a:ea typeface="黑体" panose="02010609060101010101" pitchFamily="49" charset="-122"/>
                   </a:rPr>
                   <a:t>      149.99</a:t>
                 </a:r>
                 <a:r>
-                  <a:rPr lang="zh-CN" altLang="en-US" sz="1600" dirty="0" smtClean="0">
+                  <a:rPr lang="zh-CN" altLang="en-US" sz="1600" dirty="0">
                     <a:latin typeface="黑体" panose="02010609060101010101" pitchFamily="49" charset="-122"/>
                     <a:ea typeface="黑体" panose="02010609060101010101" pitchFamily="49" charset="-122"/>
                   </a:rPr>
                   <a:t>，</a:t>
                 </a:r>
                 <a:r>
-                  <a:rPr lang="en-US" altLang="zh-CN" sz="1600" dirty="0" smtClean="0">
+                  <a:rPr lang="en-US" altLang="zh-CN" sz="1600" dirty="0">
                     <a:latin typeface="黑体" panose="02010609060101010101" pitchFamily="49" charset="-122"/>
                     <a:ea typeface="黑体" panose="02010609060101010101" pitchFamily="49" charset="-122"/>
                   </a:rPr>
                   <a:t>150.04</a:t>
                 </a:r>
                 <a:r>
-                  <a:rPr lang="zh-CN" altLang="en-US" sz="1600" dirty="0" smtClean="0">
+                  <a:rPr lang="zh-CN" altLang="en-US" sz="1600" dirty="0">
                     <a:latin typeface="黑体" panose="02010609060101010101" pitchFamily="49" charset="-122"/>
                     <a:ea typeface="黑体" panose="02010609060101010101" pitchFamily="49" charset="-122"/>
                   </a:rPr>
                   <a:t>，</a:t>
                 </a:r>
                 <a:r>
-                  <a:rPr lang="en-US" altLang="zh-CN" sz="1600" dirty="0" smtClean="0">
+                  <a:rPr lang="en-US" altLang="zh-CN" sz="1600" dirty="0">
                     <a:latin typeface="黑体" panose="02010609060101010101" pitchFamily="49" charset="-122"/>
                     <a:ea typeface="黑体" panose="02010609060101010101" pitchFamily="49" charset="-122"/>
                   </a:rPr>
                   <a:t>150.02</a:t>
                 </a:r>
                 <a:r>
-                  <a:rPr lang="zh-CN" altLang="en-US" sz="1600" dirty="0" smtClean="0">
+                  <a:rPr lang="zh-CN" altLang="en-US" sz="1600" dirty="0">
                     <a:latin typeface="黑体" panose="02010609060101010101" pitchFamily="49" charset="-122"/>
                     <a:ea typeface="黑体" panose="02010609060101010101" pitchFamily="49" charset="-122"/>
                   </a:rPr>
                   <a:t>，</a:t>
                 </a:r>
                 <a:r>
-                  <a:rPr lang="en-US" altLang="zh-CN" sz="1600" dirty="0" smtClean="0">
+                  <a:rPr lang="en-US" altLang="zh-CN" sz="1600" dirty="0">
                     <a:latin typeface="黑体" panose="02010609060101010101" pitchFamily="49" charset="-122"/>
                     <a:ea typeface="黑体" panose="02010609060101010101" pitchFamily="49" charset="-122"/>
                   </a:rPr>
                   <a:t>149.94</a:t>
                 </a:r>
                 <a:r>
-                  <a:rPr lang="zh-CN" altLang="en-US" sz="1600" dirty="0" smtClean="0">
+                  <a:rPr lang="zh-CN" altLang="en-US" sz="1600" dirty="0">
                     <a:latin typeface="黑体" panose="02010609060101010101" pitchFamily="49" charset="-122"/>
                     <a:ea typeface="黑体" panose="02010609060101010101" pitchFamily="49" charset="-122"/>
                   </a:rPr>
                   <a:t>，</a:t>
                 </a:r>
                 <a:r>
-                  <a:rPr lang="en-US" altLang="zh-CN" sz="1600" dirty="0" smtClean="0">
+                  <a:rPr lang="en-US" altLang="zh-CN" sz="1600" dirty="0">
                     <a:latin typeface="黑体" panose="02010609060101010101" pitchFamily="49" charset="-122"/>
                     <a:ea typeface="黑体" panose="02010609060101010101" pitchFamily="49" charset="-122"/>
                   </a:rPr>
                   <a:t>150.19</a:t>
                 </a:r>
                 <a:r>
-                  <a:rPr lang="zh-CN" altLang="en-US" sz="1600" dirty="0" smtClean="0">
+                  <a:rPr lang="zh-CN" altLang="en-US" sz="1600" dirty="0">
                     <a:latin typeface="黑体" panose="02010609060101010101" pitchFamily="49" charset="-122"/>
                     <a:ea typeface="黑体" panose="02010609060101010101" pitchFamily="49" charset="-122"/>
                   </a:rPr>
                   <a:t>，</a:t>
                 </a:r>
                 <a:r>
-                  <a:rPr lang="en-US" altLang="zh-CN" sz="1600" dirty="0" smtClean="0">
+                  <a:rPr lang="en-US" altLang="zh-CN" sz="1600" dirty="0">
                     <a:latin typeface="黑体" panose="02010609060101010101" pitchFamily="49" charset="-122"/>
                     <a:ea typeface="黑体" panose="02010609060101010101" pitchFamily="49" charset="-122"/>
                   </a:rPr>
                   <a:t>149.93</a:t>
                 </a:r>
                 <a:r>
-                  <a:rPr lang="zh-CN" altLang="en-US" sz="1600" dirty="0" smtClean="0">
+                  <a:rPr lang="zh-CN" altLang="en-US" sz="1600" dirty="0">
                     <a:latin typeface="黑体" panose="02010609060101010101" pitchFamily="49" charset="-122"/>
                     <a:ea typeface="黑体" panose="02010609060101010101" pitchFamily="49" charset="-122"/>
                   </a:rPr>
                   <a:t>，</a:t>
                 </a:r>
                 <a:r>
-                  <a:rPr lang="en-US" altLang="zh-CN" sz="1600" dirty="0" smtClean="0">
+                  <a:rPr lang="en-US" altLang="zh-CN" sz="1600" dirty="0">
                     <a:latin typeface="黑体" panose="02010609060101010101" pitchFamily="49" charset="-122"/>
                     <a:ea typeface="黑体" panose="02010609060101010101" pitchFamily="49" charset="-122"/>
                   </a:rPr>
                   <a:t>150.09</a:t>
                 </a:r>
                 <a:r>
-                  <a:rPr lang="zh-CN" altLang="en-US" sz="1600" dirty="0" smtClean="0">
+                  <a:rPr lang="zh-CN" altLang="en-US" sz="1600" dirty="0">
                     <a:latin typeface="黑体" panose="02010609060101010101" pitchFamily="49" charset="-122"/>
                     <a:ea typeface="黑体" panose="02010609060101010101" pitchFamily="49" charset="-122"/>
                   </a:rPr>
                   <a:t>，</a:t>
                 </a:r>
                 <a:r>
-                  <a:rPr lang="en-US" altLang="zh-CN" sz="1600" dirty="0" smtClean="0">
+                  <a:rPr lang="en-US" altLang="zh-CN" sz="1600" dirty="0">
                     <a:latin typeface="黑体" panose="02010609060101010101" pitchFamily="49" charset="-122"/>
                     <a:ea typeface="黑体" panose="02010609060101010101" pitchFamily="49" charset="-122"/>
                   </a:rPr>
                   <a:t>149.83</a:t>
                 </a:r>
                 <a:r>
-                  <a:rPr lang="zh-CN" altLang="en-US" sz="1600" dirty="0" smtClean="0">
+                  <a:rPr lang="zh-CN" altLang="en-US" sz="1600" dirty="0">
                     <a:latin typeface="黑体" panose="02010609060101010101" pitchFamily="49" charset="-122"/>
                     <a:ea typeface="黑体" panose="02010609060101010101" pitchFamily="49" charset="-122"/>
                   </a:rPr>
                   <a:t>，</a:t>
                 </a:r>
                 <a:r>
-                  <a:rPr lang="en-US" altLang="zh-CN" sz="1600" dirty="0" smtClean="0">
+                  <a:rPr lang="en-US" altLang="zh-CN" sz="1600" dirty="0">
                     <a:latin typeface="黑体" panose="02010609060101010101" pitchFamily="49" charset="-122"/>
                     <a:ea typeface="黑体" panose="02010609060101010101" pitchFamily="49" charset="-122"/>
                   </a:rPr>
                   <a:t>150.03</a:t>
                 </a:r>
                 <a:r>
-                  <a:rPr lang="zh-CN" altLang="en-US" sz="1600" dirty="0" smtClean="0">
+                  <a:rPr lang="zh-CN" altLang="en-US" sz="1600" dirty="0">
                     <a:latin typeface="黑体" panose="02010609060101010101" pitchFamily="49" charset="-122"/>
                     <a:ea typeface="黑体" panose="02010609060101010101" pitchFamily="49" charset="-122"/>
                   </a:rPr>
                   <a:t>，</a:t>
                 </a:r>
                 <a:r>
-                  <a:rPr lang="en-US" altLang="zh-CN" sz="1600" dirty="0" smtClean="0">
+                  <a:rPr lang="en-US" altLang="zh-CN" sz="1600" dirty="0">
                     <a:latin typeface="黑体" panose="02010609060101010101" pitchFamily="49" charset="-122"/>
                     <a:ea typeface="黑体" panose="02010609060101010101" pitchFamily="49" charset="-122"/>
                   </a:rPr>
@@ -4064,7 +4052,7 @@
                   <a:buFontTx/>
                   <a:buNone/>
                 </a:pPr>
-                <a:endParaRPr lang="en-US" altLang="zh-CN" sz="1600" dirty="0" smtClean="0">
+                <a:endParaRPr lang="en-US" altLang="zh-CN" sz="1600" dirty="0">
                   <a:latin typeface="黑体" panose="02010609060101010101" pitchFamily="49" charset="-122"/>
                   <a:ea typeface="黑体" panose="02010609060101010101" pitchFamily="49" charset="-122"/>
                 </a:endParaRPr>
@@ -4118,7 +4106,7 @@
                       <m:sSubPr>
                         <m:ctrlPr>
                           <a:rPr lang="en-US" altLang="zh-CN" sz="1600" i="1">
-                            <a:latin typeface="Cambria Math"/>
+                            <a:latin typeface="Cambria Math" panose="02040503050406030204" pitchFamily="18" charset="0"/>
                             <a:ea typeface="黑体" panose="02010609060101010101" pitchFamily="49" charset="-122"/>
                           </a:rPr>
                         </m:ctrlPr>
@@ -4160,7 +4148,7 @@
                       <m:sSubPr>
                         <m:ctrlPr>
                           <a:rPr lang="en-US" altLang="zh-CN" sz="1600" i="1">
-                            <a:latin typeface="Cambria Math"/>
+                            <a:latin typeface="Cambria Math" panose="02040503050406030204" pitchFamily="18" charset="0"/>
                             <a:ea typeface="黑体" panose="02010609060101010101" pitchFamily="49" charset="-122"/>
                           </a:rPr>
                         </m:ctrlPr>
@@ -4202,7 +4190,7 @@
                       <m:sSubPr>
                         <m:ctrlPr>
                           <a:rPr lang="en-US" altLang="zh-CN" sz="1600" i="1">
-                            <a:latin typeface="Cambria Math"/>
+                            <a:latin typeface="Cambria Math" panose="02040503050406030204" pitchFamily="18" charset="0"/>
                             <a:ea typeface="黑体" panose="02010609060101010101" pitchFamily="49" charset="-122"/>
                           </a:rPr>
                         </m:ctrlPr>
@@ -4255,7 +4243,7 @@
                       <m:sSubPr>
                         <m:ctrlPr>
                           <a:rPr lang="en-US" altLang="zh-CN" sz="1600" i="1">
-                            <a:latin typeface="Cambria Math"/>
+                            <a:latin typeface="Cambria Math" panose="02040503050406030204" pitchFamily="18" charset="0"/>
                             <a:ea typeface="黑体" panose="02010609060101010101" pitchFamily="49" charset="-122"/>
                           </a:rPr>
                         </m:ctrlPr>
@@ -4297,7 +4285,7 @@
                       <m:sSubPr>
                         <m:ctrlPr>
                           <a:rPr lang="en-US" altLang="zh-CN" sz="1600" i="1">
-                            <a:latin typeface="Cambria Math"/>
+                            <a:latin typeface="Cambria Math" panose="02040503050406030204" pitchFamily="18" charset="0"/>
                             <a:ea typeface="黑体" panose="02010609060101010101" pitchFamily="49" charset="-122"/>
                           </a:rPr>
                         </m:ctrlPr>
@@ -4332,7 +4320,7 @@
                       <m:sSubPr>
                         <m:ctrlPr>
                           <a:rPr lang="en-US" altLang="zh-CN" sz="1600" i="1">
-                            <a:latin typeface="Cambria Math"/>
+                            <a:latin typeface="Cambria Math" panose="02040503050406030204" pitchFamily="18" charset="0"/>
                             <a:ea typeface="黑体" panose="02010609060101010101" pitchFamily="49" charset="-122"/>
                           </a:rPr>
                         </m:ctrlPr>
@@ -4374,7 +4362,7 @@
                       <m:sSubSupPr>
                         <m:ctrlPr>
                           <a:rPr lang="en-US" altLang="zh-CN" sz="1600" i="1">
-                            <a:latin typeface="Cambria Math"/>
+                            <a:latin typeface="Cambria Math" panose="02040503050406030204" pitchFamily="18" charset="0"/>
                             <a:ea typeface="黑体" panose="02010609060101010101" pitchFamily="49" charset="-122"/>
                           </a:rPr>
                         </m:ctrlPr>
@@ -4425,7 +4413,7 @@
                       <m:sSubSupPr>
                         <m:ctrlPr>
                           <a:rPr lang="en-US" altLang="zh-CN" sz="1600" i="1">
-                            <a:latin typeface="Cambria Math"/>
+                            <a:latin typeface="Cambria Math" panose="02040503050406030204" pitchFamily="18" charset="0"/>
                             <a:ea typeface="黑体" panose="02010609060101010101" pitchFamily="49" charset="-122"/>
                           </a:rPr>
                         </m:ctrlPr>
@@ -4472,7 +4460,7 @@
                       <m:sSubSupPr>
                         <m:ctrlPr>
                           <a:rPr lang="en-US" altLang="zh-CN" sz="1600" i="1">
-                            <a:latin typeface="Cambria Math"/>
+                            <a:latin typeface="Cambria Math" panose="02040503050406030204" pitchFamily="18" charset="0"/>
                             <a:ea typeface="黑体" panose="02010609060101010101" pitchFamily="49" charset="-122"/>
                           </a:rPr>
                         </m:ctrlPr>
@@ -4546,23 +4534,9 @@
                     <a:latin typeface="黑体" panose="02010609060101010101" pitchFamily="49" charset="-122"/>
                     <a:ea typeface="黑体" panose="02010609060101010101" pitchFamily="49" charset="-122"/>
                   </a:rPr>
-                  <a:t>组数据的最佳</a:t>
-                </a:r>
-                <a:r>
-                  <a:rPr lang="zh-CN" altLang="en-US" sz="1600" dirty="0" smtClean="0">
-                    <a:latin typeface="黑体" panose="02010609060101010101" pitchFamily="49" charset="-122"/>
-                    <a:ea typeface="黑体" panose="02010609060101010101" pitchFamily="49" charset="-122"/>
-                  </a:rPr>
-                  <a:t>方法</a:t>
-                </a:r>
-                <a:r>
-                  <a:rPr lang="zh-CN" altLang="en-US" sz="1600" dirty="0" smtClean="0">
-                    <a:latin typeface="黑体" panose="02010609060101010101" pitchFamily="49" charset="-122"/>
-                    <a:ea typeface="黑体" panose="02010609060101010101" pitchFamily="49" charset="-122"/>
-                  </a:rPr>
-                  <a:t>，并考察其方差。</a:t>
-                </a:r>
-                <a:endParaRPr lang="en-US" altLang="zh-CN" sz="1600" dirty="0" smtClean="0">
+                  <a:t>组数据的最佳方法，并考察其方差。</a:t>
+                </a:r>
+                <a:endParaRPr lang="en-US" altLang="zh-CN" sz="1600" dirty="0">
                   <a:latin typeface="黑体" panose="02010609060101010101" pitchFamily="49" charset="-122"/>
                   <a:ea typeface="黑体" panose="02010609060101010101" pitchFamily="49" charset="-122"/>
                 </a:endParaRPr>
@@ -4589,20 +4563,20 @@
                   <a:buNone/>
                 </a:pPr>
                 <a:r>
-                  <a:rPr lang="en-US" altLang="zh-CN" sz="1600" dirty="0" smtClean="0">
+                  <a:rPr lang="en-US" altLang="zh-CN" sz="1600" dirty="0">
                     <a:latin typeface="黑体" panose="02010609060101010101" pitchFamily="49" charset="-122"/>
                     <a:ea typeface="黑体" panose="02010609060101010101" pitchFamily="49" charset="-122"/>
                   </a:rPr>
                   <a:t>2-7+ </a:t>
                 </a:r>
                 <a:r>
-                  <a:rPr lang="zh-CN" altLang="en-US" sz="1600" dirty="0" smtClean="0">
+                  <a:rPr lang="zh-CN" altLang="en-US" sz="1600" dirty="0">
                     <a:latin typeface="黑体" panose="02010609060101010101" pitchFamily="49" charset="-122"/>
                     <a:ea typeface="黑体" panose="02010609060101010101" pitchFamily="49" charset="-122"/>
                   </a:rPr>
                   <a:t>使用两种不同精度的激光测距仪测量某距离的结果分别是</a:t>
                 </a:r>
-                <a:endParaRPr lang="en-US" altLang="zh-CN" sz="1600" i="1" dirty="0" smtClean="0">
+                <a:endParaRPr lang="en-US" altLang="zh-CN" sz="1600" i="1" dirty="0">
                   <a:latin typeface="Cambria Math"/>
                   <a:ea typeface="黑体" panose="02010609060101010101" pitchFamily="49" charset="-122"/>
                 </a:endParaRPr>
@@ -4628,7 +4602,7 @@
                       <m:sSubPr>
                         <m:ctrlPr>
                           <a:rPr lang="en-US" altLang="zh-CN" sz="1600" i="1">
-                            <a:latin typeface="Cambria Math"/>
+                            <a:latin typeface="Cambria Math" panose="02040503050406030204" pitchFamily="18" charset="0"/>
                             <a:ea typeface="黑体" panose="02010609060101010101" pitchFamily="49" charset="-122"/>
                           </a:rPr>
                         </m:ctrlPr>
@@ -4677,7 +4651,7 @@
                       <m:sSubPr>
                         <m:ctrlPr>
                           <a:rPr lang="en-US" altLang="zh-CN" sz="1600" i="1">
-                            <a:latin typeface="Cambria Math"/>
+                            <a:latin typeface="Cambria Math" panose="02040503050406030204" pitchFamily="18" charset="0"/>
                             <a:ea typeface="黑体" panose="02010609060101010101" pitchFamily="49" charset="-122"/>
                           </a:rPr>
                         </m:ctrlPr>
@@ -4729,7 +4703,7 @@
                       <m:sSubPr>
                         <m:ctrlPr>
                           <a:rPr lang="en-US" altLang="zh-CN" sz="1600" i="1">
-                            <a:latin typeface="Cambria Math"/>
+                            <a:latin typeface="Cambria Math" panose="02040503050406030204" pitchFamily="18" charset="0"/>
                             <a:ea typeface="黑体" panose="02010609060101010101" pitchFamily="49" charset="-122"/>
                           </a:rPr>
                         </m:ctrlPr>
@@ -4778,7 +4752,7 @@
                       <m:sSubPr>
                         <m:ctrlPr>
                           <a:rPr lang="en-US" altLang="zh-CN" sz="1600" i="1">
-                            <a:latin typeface="Cambria Math"/>
+                            <a:latin typeface="Cambria Math" panose="02040503050406030204" pitchFamily="18" charset="0"/>
                             <a:ea typeface="黑体" panose="02010609060101010101" pitchFamily="49" charset="-122"/>
                           </a:rPr>
                         </m:ctrlPr>
@@ -4850,37 +4824,33 @@
                   </m:oMath>
                 </a14:m>
                 <a:r>
-                  <a:rPr lang="en-US" altLang="zh-CN" sz="1600" dirty="0" smtClean="0">
+                  <a:rPr lang="en-US" altLang="zh-CN" sz="1600" dirty="0">
                     <a:latin typeface="黑体" panose="02010609060101010101" pitchFamily="49" charset="-122"/>
                     <a:ea typeface="黑体" panose="02010609060101010101" pitchFamily="49" charset="-122"/>
                   </a:rPr>
                   <a:t>Z</a:t>
                 </a:r>
                 <a:r>
-                  <a:rPr lang="zh-CN" altLang="en-US" sz="1600" dirty="0" smtClean="0">
+                  <a:rPr lang="zh-CN" altLang="en-US" sz="1600" dirty="0">
                     <a:latin typeface="黑体" panose="02010609060101010101" pitchFamily="49" charset="-122"/>
                     <a:ea typeface="黑体" panose="02010609060101010101" pitchFamily="49" charset="-122"/>
                   </a:rPr>
                   <a:t>及不确定度</a:t>
                 </a:r>
                 <a:r>
-                  <a:rPr lang="el-GR" altLang="zh-CN" sz="1600" dirty="0" smtClean="0">
+                  <a:rPr lang="el-GR" altLang="zh-CN" sz="1600" dirty="0">
                     <a:latin typeface="黑体" panose="02010609060101010101" pitchFamily="49" charset="-122"/>
                     <a:ea typeface="黑体" panose="02010609060101010101" pitchFamily="49" charset="-122"/>
                   </a:rPr>
                   <a:t>σ</a:t>
                 </a:r>
                 <a:r>
-                  <a:rPr lang="zh-CN" altLang="en-US" sz="1600" dirty="0" smtClean="0">
+                  <a:rPr lang="zh-CN" altLang="en-US" sz="1600" dirty="0">
                     <a:latin typeface="黑体" panose="02010609060101010101" pitchFamily="49" charset="-122"/>
                     <a:ea typeface="黑体" panose="02010609060101010101" pitchFamily="49" charset="-122"/>
                   </a:rPr>
                   <a:t>，并解释其含义。</a:t>
                 </a:r>
-                <a:endParaRPr lang="zh-CN" altLang="en-US" sz="1600" dirty="0">
-                  <a:latin typeface="黑体" panose="02010609060101010101" pitchFamily="49" charset="-122"/>
-                  <a:ea typeface="黑体" panose="02010609060101010101" pitchFamily="49" charset="-122"/>
-                </a:endParaRPr>
               </a:p>
               <a:p>
                 <a:pPr eaLnBrk="1" hangingPunct="1">
@@ -4890,7 +4860,7 @@
                   <a:buFontTx/>
                   <a:buNone/>
                 </a:pPr>
-                <a:endParaRPr lang="en-US" altLang="zh-CN" sz="1600" dirty="0" smtClean="0">
+                <a:endParaRPr lang="en-US" altLang="zh-CN" sz="1600" dirty="0">
                   <a:latin typeface="黑体" panose="02010609060101010101" pitchFamily="49" charset="-122"/>
                   <a:ea typeface="黑体" panose="02010609060101010101" pitchFamily="49" charset="-122"/>
                 </a:endParaRPr>
@@ -4898,7 +4868,7 @@
             </p:txBody>
           </p:sp>
         </mc:Choice>
-        <mc:Fallback>
+        <mc:Fallback xmlns="">
           <p:sp>
             <p:nvSpPr>
               <p:cNvPr id="26627" name="Rectangle 3"/>
@@ -4975,21 +4945,6 @@
   <p:clrMapOvr>
     <a:masterClrMapping/>
   </p:clrMapOvr>
-  <mc:AlternateContent xmlns:mc="http://schemas.openxmlformats.org/markup-compatibility/2006" xmlns:p14="http://schemas.microsoft.com/office/powerpoint/2010/main">
-    <mc:Choice Requires="p14">
-      <p:transition spd="slow" p14:dur="2000"/>
-    </mc:Choice>
-    <mc:Fallback xmlns="">
-      <p:transition spd="slow"/>
-    </mc:Fallback>
-  </mc:AlternateContent>
-  <p:timing>
-    <p:tnLst>
-      <p:par>
-        <p:cTn id="1" dur="indefinite" restart="never" nodeType="tmRoot"/>
-      </p:par>
-    </p:tnLst>
-  </p:timing>
 </p:sld>
 </file>
 
